--- a/Apresentação/Apresentação 65DSD.pptx
+++ b/Apresentação/Apresentação 65DSD.pptx
@@ -218,7 +218,7 @@
           <a:p>
             <a:fld id="{12028CC1-B90E-47D8-99C5-6BAA1811C342}" type="datetimeFigureOut">
               <a:rPr lang="pt-BR" smtClean="0"/>
-              <a:t>14/10/2025</a:t>
+              <a:t>16/10/2025</a:t>
             </a:fld>
             <a:endParaRPr lang="pt-BR" dirty="0"/>
           </a:p>
@@ -664,7 +664,7 @@
           <a:p>
             <a:fld id="{F3B4B977-AD5C-4F3D-992F-860711DBDA8C}" type="datetimeFigureOut">
               <a:rPr lang="pt-BR" smtClean="0"/>
-              <a:t>14/10/2025</a:t>
+              <a:t>16/10/2025</a:t>
             </a:fld>
             <a:endParaRPr lang="pt-BR" dirty="0"/>
           </a:p>
@@ -832,7 +832,7 @@
           <a:p>
             <a:fld id="{F3B4B977-AD5C-4F3D-992F-860711DBDA8C}" type="datetimeFigureOut">
               <a:rPr lang="pt-BR" smtClean="0"/>
-              <a:t>14/10/2025</a:t>
+              <a:t>16/10/2025</a:t>
             </a:fld>
             <a:endParaRPr lang="pt-BR" dirty="0"/>
           </a:p>
@@ -1010,7 +1010,7 @@
           <a:p>
             <a:fld id="{F3B4B977-AD5C-4F3D-992F-860711DBDA8C}" type="datetimeFigureOut">
               <a:rPr lang="pt-BR" smtClean="0"/>
-              <a:t>14/10/2025</a:t>
+              <a:t>16/10/2025</a:t>
             </a:fld>
             <a:endParaRPr lang="pt-BR" dirty="0"/>
           </a:p>
@@ -1178,7 +1178,7 @@
           <a:p>
             <a:fld id="{F3B4B977-AD5C-4F3D-992F-860711DBDA8C}" type="datetimeFigureOut">
               <a:rPr lang="pt-BR" smtClean="0"/>
-              <a:t>14/10/2025</a:t>
+              <a:t>16/10/2025</a:t>
             </a:fld>
             <a:endParaRPr lang="pt-BR" dirty="0"/>
           </a:p>
@@ -1423,7 +1423,7 @@
           <a:p>
             <a:fld id="{F3B4B977-AD5C-4F3D-992F-860711DBDA8C}" type="datetimeFigureOut">
               <a:rPr lang="pt-BR" smtClean="0"/>
-              <a:t>14/10/2025</a:t>
+              <a:t>16/10/2025</a:t>
             </a:fld>
             <a:endParaRPr lang="pt-BR" dirty="0"/>
           </a:p>
@@ -1708,7 +1708,7 @@
           <a:p>
             <a:fld id="{F3B4B977-AD5C-4F3D-992F-860711DBDA8C}" type="datetimeFigureOut">
               <a:rPr lang="pt-BR" smtClean="0"/>
-              <a:t>14/10/2025</a:t>
+              <a:t>16/10/2025</a:t>
             </a:fld>
             <a:endParaRPr lang="pt-BR" dirty="0"/>
           </a:p>
@@ -2127,7 +2127,7 @@
           <a:p>
             <a:fld id="{F3B4B977-AD5C-4F3D-992F-860711DBDA8C}" type="datetimeFigureOut">
               <a:rPr lang="pt-BR" smtClean="0"/>
-              <a:t>14/10/2025</a:t>
+              <a:t>16/10/2025</a:t>
             </a:fld>
             <a:endParaRPr lang="pt-BR" dirty="0"/>
           </a:p>
@@ -2244,7 +2244,7 @@
           <a:p>
             <a:fld id="{F3B4B977-AD5C-4F3D-992F-860711DBDA8C}" type="datetimeFigureOut">
               <a:rPr lang="pt-BR" smtClean="0"/>
-              <a:t>14/10/2025</a:t>
+              <a:t>16/10/2025</a:t>
             </a:fld>
             <a:endParaRPr lang="pt-BR" dirty="0"/>
           </a:p>
@@ -2339,7 +2339,7 @@
           <a:p>
             <a:fld id="{F3B4B977-AD5C-4F3D-992F-860711DBDA8C}" type="datetimeFigureOut">
               <a:rPr lang="pt-BR" smtClean="0"/>
-              <a:t>14/10/2025</a:t>
+              <a:t>16/10/2025</a:t>
             </a:fld>
             <a:endParaRPr lang="pt-BR" dirty="0"/>
           </a:p>
@@ -2614,7 +2614,7 @@
           <a:p>
             <a:fld id="{F3B4B977-AD5C-4F3D-992F-860711DBDA8C}" type="datetimeFigureOut">
               <a:rPr lang="pt-BR" smtClean="0"/>
-              <a:t>14/10/2025</a:t>
+              <a:t>16/10/2025</a:t>
             </a:fld>
             <a:endParaRPr lang="pt-BR" dirty="0"/>
           </a:p>
@@ -2866,7 +2866,7 @@
           <a:p>
             <a:fld id="{F3B4B977-AD5C-4F3D-992F-860711DBDA8C}" type="datetimeFigureOut">
               <a:rPr lang="pt-BR" smtClean="0"/>
-              <a:t>14/10/2025</a:t>
+              <a:t>16/10/2025</a:t>
             </a:fld>
             <a:endParaRPr lang="pt-BR" dirty="0"/>
           </a:p>
@@ -3082,7 +3082,7 @@
           <a:p>
             <a:fld id="{F3B4B977-AD5C-4F3D-992F-860711DBDA8C}" type="datetimeFigureOut">
               <a:rPr lang="pt-BR" smtClean="0"/>
-              <a:t>14/10/2025</a:t>
+              <a:t>16/10/2025</a:t>
             </a:fld>
             <a:endParaRPr lang="pt-BR" dirty="0"/>
           </a:p>
@@ -4542,10 +4542,10 @@
       </p:pic>
       <p:pic>
         <p:nvPicPr>
-          <p:cNvPr id="6" name="Gráfico 5">
+          <p:cNvPr id="3" name="Gráfico 2">
             <a:extLst>
               <a:ext uri="{FF2B5EF4-FFF2-40B4-BE49-F238E27FC236}">
-                <a16:creationId xmlns:a16="http://schemas.microsoft.com/office/drawing/2014/main" id="{8A9EBCDC-05AB-6E2F-33DC-E55A78327E3E}"/>
+                <a16:creationId xmlns:a16="http://schemas.microsoft.com/office/drawing/2014/main" id="{8CFE6D3D-BC1C-B1B4-9B68-2952D3D7ECC9}"/>
               </a:ext>
             </a:extLst>
           </p:cNvPr>
@@ -4568,8 +4568,8 @@
         </p:blipFill>
         <p:spPr>
           <a:xfrm>
-            <a:off x="0" y="1370421"/>
-            <a:ext cx="9144000" cy="4117158"/>
+            <a:off x="0" y="980728"/>
+            <a:ext cx="9144000" cy="5633663"/>
           </a:xfrm>
           <a:prstGeom prst="rect">
             <a:avLst/>
@@ -6829,14 +6829,6 @@
 </file>
 
 <file path=customXml/item1.xml><?xml version="1.0" encoding="utf-8"?>
-<p:properties xmlns:p="http://schemas.microsoft.com/office/2006/metadata/properties" xmlns:xsi="http://www.w3.org/2001/XMLSchema-instance" xmlns:pc="http://schemas.microsoft.com/office/infopath/2007/PartnerControls">
-  <documentManagement>
-    <_activity xmlns="613f77af-de62-4afe-982b-138aea4fef3c" xsi:nil="true"/>
-  </documentManagement>
-</p:properties>
-</file>
-
-<file path=customXml/item2.xml><?xml version="1.0" encoding="utf-8"?>
 <ct:contentTypeSchema xmlns:ct="http://schemas.microsoft.com/office/2006/metadata/contentType" xmlns:ma="http://schemas.microsoft.com/office/2006/metadata/properties/metaAttributes" ct:_="" ma:_="" ma:contentTypeName="Document" ma:contentTypeID="0x0101002EBECF9B0ABA5044AE17B1D320DD2A6F" ma:contentTypeVersion="12" ma:contentTypeDescription="Create a new document." ma:contentTypeScope="" ma:versionID="f185e081e10ec115c2640ace612104b9">
   <xsd:schema xmlns:xsd="http://www.w3.org/2001/XMLSchema" xmlns:xs="http://www.w3.org/2001/XMLSchema" xmlns:p="http://schemas.microsoft.com/office/2006/metadata/properties" xmlns:ns3="613f77af-de62-4afe-982b-138aea4fef3c" targetNamespace="http://schemas.microsoft.com/office/2006/metadata/properties" ma:root="true" ma:fieldsID="0a63cb9c68d38ddcb7679a7bdbafb55b" ns3:_="">
     <xsd:import namespace="613f77af-de62-4afe-982b-138aea4fef3c"/>
@@ -7030,6 +7022,14 @@
 </ct:contentTypeSchema>
 </file>
 
+<file path=customXml/item2.xml><?xml version="1.0" encoding="utf-8"?>
+<p:properties xmlns:p="http://schemas.microsoft.com/office/2006/metadata/properties" xmlns:xsi="http://www.w3.org/2001/XMLSchema-instance" xmlns:pc="http://schemas.microsoft.com/office/infopath/2007/PartnerControls">
+  <documentManagement>
+    <_activity xmlns="613f77af-de62-4afe-982b-138aea4fef3c" xsi:nil="true"/>
+  </documentManagement>
+</p:properties>
+</file>
+
 <file path=customXml/item3.xml><?xml version="1.0" encoding="utf-8"?>
 <?mso-contentType ?>
 <FormTemplates xmlns="http://schemas.microsoft.com/sharepoint/v3/contenttype/forms">
@@ -7040,22 +7040,6 @@
 </file>
 
 <file path=customXml/itemProps1.xml><?xml version="1.0" encoding="utf-8"?>
-<ds:datastoreItem xmlns:ds="http://schemas.openxmlformats.org/officeDocument/2006/customXml" ds:itemID="{D1D8F174-05DB-41F6-B191-F9580A6633C3}">
-  <ds:schemaRefs>
-    <ds:schemaRef ds:uri="http://purl.org/dc/dcmitype/"/>
-    <ds:schemaRef ds:uri="http://purl.org/dc/elements/1.1/"/>
-    <ds:schemaRef ds:uri="http://schemas.microsoft.com/office/2006/metadata/properties"/>
-    <ds:schemaRef ds:uri="http://purl.org/dc/terms/"/>
-    <ds:schemaRef ds:uri="http://www.w3.org/XML/1998/namespace"/>
-    <ds:schemaRef ds:uri="http://schemas.microsoft.com/office/2006/documentManagement/types"/>
-    <ds:schemaRef ds:uri="http://schemas.microsoft.com/office/infopath/2007/PartnerControls"/>
-    <ds:schemaRef ds:uri="http://schemas.openxmlformats.org/package/2006/metadata/core-properties"/>
-    <ds:schemaRef ds:uri="613f77af-de62-4afe-982b-138aea4fef3c"/>
-  </ds:schemaRefs>
-</ds:datastoreItem>
-</file>
-
-<file path=customXml/itemProps2.xml><?xml version="1.0" encoding="utf-8"?>
 <ds:datastoreItem xmlns:ds="http://schemas.openxmlformats.org/officeDocument/2006/customXml" ds:itemID="{FF5184F0-A663-45A9-BCC7-22C1C7642198}">
   <ds:schemaRefs>
     <ds:schemaRef ds:uri="http://schemas.microsoft.com/office/2006/metadata/contentType"/>
@@ -7073,6 +7057,22 @@
 </ds:datastoreItem>
 </file>
 
+<file path=customXml/itemProps2.xml><?xml version="1.0" encoding="utf-8"?>
+<ds:datastoreItem xmlns:ds="http://schemas.openxmlformats.org/officeDocument/2006/customXml" ds:itemID="{D1D8F174-05DB-41F6-B191-F9580A6633C3}">
+  <ds:schemaRefs>
+    <ds:schemaRef ds:uri="http://purl.org/dc/dcmitype/"/>
+    <ds:schemaRef ds:uri="http://purl.org/dc/elements/1.1/"/>
+    <ds:schemaRef ds:uri="http://schemas.microsoft.com/office/2006/metadata/properties"/>
+    <ds:schemaRef ds:uri="http://purl.org/dc/terms/"/>
+    <ds:schemaRef ds:uri="http://www.w3.org/XML/1998/namespace"/>
+    <ds:schemaRef ds:uri="http://schemas.microsoft.com/office/2006/documentManagement/types"/>
+    <ds:schemaRef ds:uri="http://schemas.microsoft.com/office/infopath/2007/PartnerControls"/>
+    <ds:schemaRef ds:uri="http://schemas.openxmlformats.org/package/2006/metadata/core-properties"/>
+    <ds:schemaRef ds:uri="613f77af-de62-4afe-982b-138aea4fef3c"/>
+  </ds:schemaRefs>
+</ds:datastoreItem>
+</file>
+
 <file path=customXml/itemProps3.xml><?xml version="1.0" encoding="utf-8"?>
 <ds:datastoreItem xmlns:ds="http://schemas.openxmlformats.org/officeDocument/2006/customXml" ds:itemID="{A247057C-ECE9-462C-87AA-B340D2DFD6C2}">
   <ds:schemaRefs>

--- a/Apresentação/Apresentação 65DSD.pptx
+++ b/Apresentação/Apresentação 65DSD.pptx
@@ -218,7 +218,7 @@
           <a:p>
             <a:fld id="{12028CC1-B90E-47D8-99C5-6BAA1811C342}" type="datetimeFigureOut">
               <a:rPr lang="pt-BR" smtClean="0"/>
-              <a:t>16/10/2025</a:t>
+              <a:t>17/10/2025</a:t>
             </a:fld>
             <a:endParaRPr lang="pt-BR" dirty="0"/>
           </a:p>
@@ -664,7 +664,7 @@
           <a:p>
             <a:fld id="{F3B4B977-AD5C-4F3D-992F-860711DBDA8C}" type="datetimeFigureOut">
               <a:rPr lang="pt-BR" smtClean="0"/>
-              <a:t>16/10/2025</a:t>
+              <a:t>17/10/2025</a:t>
             </a:fld>
             <a:endParaRPr lang="pt-BR" dirty="0"/>
           </a:p>
@@ -832,7 +832,7 @@
           <a:p>
             <a:fld id="{F3B4B977-AD5C-4F3D-992F-860711DBDA8C}" type="datetimeFigureOut">
               <a:rPr lang="pt-BR" smtClean="0"/>
-              <a:t>16/10/2025</a:t>
+              <a:t>17/10/2025</a:t>
             </a:fld>
             <a:endParaRPr lang="pt-BR" dirty="0"/>
           </a:p>
@@ -1010,7 +1010,7 @@
           <a:p>
             <a:fld id="{F3B4B977-AD5C-4F3D-992F-860711DBDA8C}" type="datetimeFigureOut">
               <a:rPr lang="pt-BR" smtClean="0"/>
-              <a:t>16/10/2025</a:t>
+              <a:t>17/10/2025</a:t>
             </a:fld>
             <a:endParaRPr lang="pt-BR" dirty="0"/>
           </a:p>
@@ -1178,7 +1178,7 @@
           <a:p>
             <a:fld id="{F3B4B977-AD5C-4F3D-992F-860711DBDA8C}" type="datetimeFigureOut">
               <a:rPr lang="pt-BR" smtClean="0"/>
-              <a:t>16/10/2025</a:t>
+              <a:t>17/10/2025</a:t>
             </a:fld>
             <a:endParaRPr lang="pt-BR" dirty="0"/>
           </a:p>
@@ -1423,7 +1423,7 @@
           <a:p>
             <a:fld id="{F3B4B977-AD5C-4F3D-992F-860711DBDA8C}" type="datetimeFigureOut">
               <a:rPr lang="pt-BR" smtClean="0"/>
-              <a:t>16/10/2025</a:t>
+              <a:t>17/10/2025</a:t>
             </a:fld>
             <a:endParaRPr lang="pt-BR" dirty="0"/>
           </a:p>
@@ -1708,7 +1708,7 @@
           <a:p>
             <a:fld id="{F3B4B977-AD5C-4F3D-992F-860711DBDA8C}" type="datetimeFigureOut">
               <a:rPr lang="pt-BR" smtClean="0"/>
-              <a:t>16/10/2025</a:t>
+              <a:t>17/10/2025</a:t>
             </a:fld>
             <a:endParaRPr lang="pt-BR" dirty="0"/>
           </a:p>
@@ -2127,7 +2127,7 @@
           <a:p>
             <a:fld id="{F3B4B977-AD5C-4F3D-992F-860711DBDA8C}" type="datetimeFigureOut">
               <a:rPr lang="pt-BR" smtClean="0"/>
-              <a:t>16/10/2025</a:t>
+              <a:t>17/10/2025</a:t>
             </a:fld>
             <a:endParaRPr lang="pt-BR" dirty="0"/>
           </a:p>
@@ -2244,7 +2244,7 @@
           <a:p>
             <a:fld id="{F3B4B977-AD5C-4F3D-992F-860711DBDA8C}" type="datetimeFigureOut">
               <a:rPr lang="pt-BR" smtClean="0"/>
-              <a:t>16/10/2025</a:t>
+              <a:t>17/10/2025</a:t>
             </a:fld>
             <a:endParaRPr lang="pt-BR" dirty="0"/>
           </a:p>
@@ -2339,7 +2339,7 @@
           <a:p>
             <a:fld id="{F3B4B977-AD5C-4F3D-992F-860711DBDA8C}" type="datetimeFigureOut">
               <a:rPr lang="pt-BR" smtClean="0"/>
-              <a:t>16/10/2025</a:t>
+              <a:t>17/10/2025</a:t>
             </a:fld>
             <a:endParaRPr lang="pt-BR" dirty="0"/>
           </a:p>
@@ -2614,7 +2614,7 @@
           <a:p>
             <a:fld id="{F3B4B977-AD5C-4F3D-992F-860711DBDA8C}" type="datetimeFigureOut">
               <a:rPr lang="pt-BR" smtClean="0"/>
-              <a:t>16/10/2025</a:t>
+              <a:t>17/10/2025</a:t>
             </a:fld>
             <a:endParaRPr lang="pt-BR" dirty="0"/>
           </a:p>
@@ -2866,7 +2866,7 @@
           <a:p>
             <a:fld id="{F3B4B977-AD5C-4F3D-992F-860711DBDA8C}" type="datetimeFigureOut">
               <a:rPr lang="pt-BR" smtClean="0"/>
-              <a:t>16/10/2025</a:t>
+              <a:t>17/10/2025</a:t>
             </a:fld>
             <a:endParaRPr lang="pt-BR" dirty="0"/>
           </a:p>
@@ -3082,7 +3082,7 @@
           <a:p>
             <a:fld id="{F3B4B977-AD5C-4F3D-992F-860711DBDA8C}" type="datetimeFigureOut">
               <a:rPr lang="pt-BR" smtClean="0"/>
-              <a:t>16/10/2025</a:t>
+              <a:t>17/10/2025</a:t>
             </a:fld>
             <a:endParaRPr lang="pt-BR" dirty="0"/>
           </a:p>
@@ -4540,42 +4540,6 @@
           </a:prstGeom>
         </p:spPr>
       </p:pic>
-      <p:pic>
-        <p:nvPicPr>
-          <p:cNvPr id="3" name="Gráfico 2">
-            <a:extLst>
-              <a:ext uri="{FF2B5EF4-FFF2-40B4-BE49-F238E27FC236}">
-                <a16:creationId xmlns:a16="http://schemas.microsoft.com/office/drawing/2014/main" id="{8CFE6D3D-BC1C-B1B4-9B68-2952D3D7ECC9}"/>
-              </a:ext>
-            </a:extLst>
-          </p:cNvPr>
-          <p:cNvPicPr>
-            <a:picLocks noChangeAspect="1"/>
-          </p:cNvPicPr>
-          <p:nvPr/>
-        </p:nvPicPr>
-        <p:blipFill>
-          <a:blip r:embed="rId3">
-            <a:extLst>
-              <a:ext uri="{96DAC541-7B7A-43D3-8B79-37D633B846F1}">
-                <asvg:svgBlip xmlns:asvg="http://schemas.microsoft.com/office/drawing/2016/SVG/main" r:embed="rId4"/>
-              </a:ext>
-            </a:extLst>
-          </a:blip>
-          <a:stretch>
-            <a:fillRect/>
-          </a:stretch>
-        </p:blipFill>
-        <p:spPr>
-          <a:xfrm>
-            <a:off x="0" y="980728"/>
-            <a:ext cx="9144000" cy="5633663"/>
-          </a:xfrm>
-          <a:prstGeom prst="rect">
-            <a:avLst/>
-          </a:prstGeom>
-        </p:spPr>
-      </p:pic>
     </p:spTree>
     <p:extLst>
       <p:ext uri="{BB962C8B-B14F-4D97-AF65-F5344CB8AC3E}">
@@ -5593,7 +5557,7 @@
         <p:spPr>
           <a:xfrm>
             <a:off x="971600" y="1700808"/>
-            <a:ext cx="5904656" cy="1754326"/>
+            <a:ext cx="5904656" cy="1477328"/>
           </a:xfrm>
           <a:prstGeom prst="rect">
             <a:avLst/>
@@ -5616,7 +5580,7 @@
             </a:r>
             <a:r>
               <a:rPr lang="pt-BR" dirty="0"/>
-              <a:t> Ao sair do cruzamento, ele libera as posições uma a uma, ou o caminho todo, dependendo da implementação.</a:t>
+              <a:t> Ao sair do cruzamento, ele libera as posições uma a uma, conforme avança em seu movimento.</a:t>
             </a:r>
           </a:p>
           <a:p>

--- a/Apresentação/Apresentação 65DSD.pptx
+++ b/Apresentação/Apresentação 65DSD.pptx
@@ -218,7 +218,7 @@
           <a:p>
             <a:fld id="{12028CC1-B90E-47D8-99C5-6BAA1811C342}" type="datetimeFigureOut">
               <a:rPr lang="pt-BR" smtClean="0"/>
-              <a:t>17/10/2025</a:t>
+              <a:t>22/10/2025</a:t>
             </a:fld>
             <a:endParaRPr lang="pt-BR" dirty="0"/>
           </a:p>
@@ -664,7 +664,7 @@
           <a:p>
             <a:fld id="{F3B4B977-AD5C-4F3D-992F-860711DBDA8C}" type="datetimeFigureOut">
               <a:rPr lang="pt-BR" smtClean="0"/>
-              <a:t>17/10/2025</a:t>
+              <a:t>22/10/2025</a:t>
             </a:fld>
             <a:endParaRPr lang="pt-BR" dirty="0"/>
           </a:p>
@@ -832,7 +832,7 @@
           <a:p>
             <a:fld id="{F3B4B977-AD5C-4F3D-992F-860711DBDA8C}" type="datetimeFigureOut">
               <a:rPr lang="pt-BR" smtClean="0"/>
-              <a:t>17/10/2025</a:t>
+              <a:t>22/10/2025</a:t>
             </a:fld>
             <a:endParaRPr lang="pt-BR" dirty="0"/>
           </a:p>
@@ -1010,7 +1010,7 @@
           <a:p>
             <a:fld id="{F3B4B977-AD5C-4F3D-992F-860711DBDA8C}" type="datetimeFigureOut">
               <a:rPr lang="pt-BR" smtClean="0"/>
-              <a:t>17/10/2025</a:t>
+              <a:t>22/10/2025</a:t>
             </a:fld>
             <a:endParaRPr lang="pt-BR" dirty="0"/>
           </a:p>
@@ -1178,7 +1178,7 @@
           <a:p>
             <a:fld id="{F3B4B977-AD5C-4F3D-992F-860711DBDA8C}" type="datetimeFigureOut">
               <a:rPr lang="pt-BR" smtClean="0"/>
-              <a:t>17/10/2025</a:t>
+              <a:t>22/10/2025</a:t>
             </a:fld>
             <a:endParaRPr lang="pt-BR" dirty="0"/>
           </a:p>
@@ -1423,7 +1423,7 @@
           <a:p>
             <a:fld id="{F3B4B977-AD5C-4F3D-992F-860711DBDA8C}" type="datetimeFigureOut">
               <a:rPr lang="pt-BR" smtClean="0"/>
-              <a:t>17/10/2025</a:t>
+              <a:t>22/10/2025</a:t>
             </a:fld>
             <a:endParaRPr lang="pt-BR" dirty="0"/>
           </a:p>
@@ -1708,7 +1708,7 @@
           <a:p>
             <a:fld id="{F3B4B977-AD5C-4F3D-992F-860711DBDA8C}" type="datetimeFigureOut">
               <a:rPr lang="pt-BR" smtClean="0"/>
-              <a:t>17/10/2025</a:t>
+              <a:t>22/10/2025</a:t>
             </a:fld>
             <a:endParaRPr lang="pt-BR" dirty="0"/>
           </a:p>
@@ -2127,7 +2127,7 @@
           <a:p>
             <a:fld id="{F3B4B977-AD5C-4F3D-992F-860711DBDA8C}" type="datetimeFigureOut">
               <a:rPr lang="pt-BR" smtClean="0"/>
-              <a:t>17/10/2025</a:t>
+              <a:t>22/10/2025</a:t>
             </a:fld>
             <a:endParaRPr lang="pt-BR" dirty="0"/>
           </a:p>
@@ -2244,7 +2244,7 @@
           <a:p>
             <a:fld id="{F3B4B977-AD5C-4F3D-992F-860711DBDA8C}" type="datetimeFigureOut">
               <a:rPr lang="pt-BR" smtClean="0"/>
-              <a:t>17/10/2025</a:t>
+              <a:t>22/10/2025</a:t>
             </a:fld>
             <a:endParaRPr lang="pt-BR" dirty="0"/>
           </a:p>
@@ -2339,7 +2339,7 @@
           <a:p>
             <a:fld id="{F3B4B977-AD5C-4F3D-992F-860711DBDA8C}" type="datetimeFigureOut">
               <a:rPr lang="pt-BR" smtClean="0"/>
-              <a:t>17/10/2025</a:t>
+              <a:t>22/10/2025</a:t>
             </a:fld>
             <a:endParaRPr lang="pt-BR" dirty="0"/>
           </a:p>
@@ -2614,7 +2614,7 @@
           <a:p>
             <a:fld id="{F3B4B977-AD5C-4F3D-992F-860711DBDA8C}" type="datetimeFigureOut">
               <a:rPr lang="pt-BR" smtClean="0"/>
-              <a:t>17/10/2025</a:t>
+              <a:t>22/10/2025</a:t>
             </a:fld>
             <a:endParaRPr lang="pt-BR" dirty="0"/>
           </a:p>
@@ -2866,7 +2866,7 @@
           <a:p>
             <a:fld id="{F3B4B977-AD5C-4F3D-992F-860711DBDA8C}" type="datetimeFigureOut">
               <a:rPr lang="pt-BR" smtClean="0"/>
-              <a:t>17/10/2025</a:t>
+              <a:t>22/10/2025</a:t>
             </a:fld>
             <a:endParaRPr lang="pt-BR" dirty="0"/>
           </a:p>
@@ -3082,7 +3082,7 @@
           <a:p>
             <a:fld id="{F3B4B977-AD5C-4F3D-992F-860711DBDA8C}" type="datetimeFigureOut">
               <a:rPr lang="pt-BR" smtClean="0"/>
-              <a:t>17/10/2025</a:t>
+              <a:t>22/10/2025</a:t>
             </a:fld>
             <a:endParaRPr lang="pt-BR" dirty="0"/>
           </a:p>
@@ -4534,6 +4534,42 @@
           <a:xfrm>
             <a:off x="287015" y="6381328"/>
             <a:ext cx="1672379" cy="291764"/>
+          </a:xfrm>
+          <a:prstGeom prst="rect">
+            <a:avLst/>
+          </a:prstGeom>
+        </p:spPr>
+      </p:pic>
+      <p:pic>
+        <p:nvPicPr>
+          <p:cNvPr id="3" name="Gráfico 2">
+            <a:extLst>
+              <a:ext uri="{FF2B5EF4-FFF2-40B4-BE49-F238E27FC236}">
+                <a16:creationId xmlns:a16="http://schemas.microsoft.com/office/drawing/2014/main" id="{30645827-11D6-9C09-DF58-5094B5A78380}"/>
+              </a:ext>
+            </a:extLst>
+          </p:cNvPr>
+          <p:cNvPicPr>
+            <a:picLocks noChangeAspect="1"/>
+          </p:cNvPicPr>
+          <p:nvPr/>
+        </p:nvPicPr>
+        <p:blipFill>
+          <a:blip r:embed="rId3">
+            <a:extLst>
+              <a:ext uri="{96DAC541-7B7A-43D3-8B79-37D633B846F1}">
+                <asvg:svgBlip xmlns:asvg="http://schemas.microsoft.com/office/drawing/2016/SVG/main" r:embed="rId4"/>
+              </a:ext>
+            </a:extLst>
+          </a:blip>
+          <a:stretch>
+            <a:fillRect/>
+          </a:stretch>
+        </p:blipFill>
+        <p:spPr>
+          <a:xfrm>
+            <a:off x="0" y="955756"/>
+            <a:ext cx="9144000" cy="4946487"/>
           </a:xfrm>
           <a:prstGeom prst="rect">
             <a:avLst/>
@@ -6793,6 +6829,14 @@
 </file>
 
 <file path=customXml/item1.xml><?xml version="1.0" encoding="utf-8"?>
+<p:properties xmlns:p="http://schemas.microsoft.com/office/2006/metadata/properties" xmlns:xsi="http://www.w3.org/2001/XMLSchema-instance" xmlns:pc="http://schemas.microsoft.com/office/infopath/2007/PartnerControls">
+  <documentManagement>
+    <_activity xmlns="613f77af-de62-4afe-982b-138aea4fef3c" xsi:nil="true"/>
+  </documentManagement>
+</p:properties>
+</file>
+
+<file path=customXml/item2.xml><?xml version="1.0" encoding="utf-8"?>
 <ct:contentTypeSchema xmlns:ct="http://schemas.microsoft.com/office/2006/metadata/contentType" xmlns:ma="http://schemas.microsoft.com/office/2006/metadata/properties/metaAttributes" ct:_="" ma:_="" ma:contentTypeName="Document" ma:contentTypeID="0x0101002EBECF9B0ABA5044AE17B1D320DD2A6F" ma:contentTypeVersion="12" ma:contentTypeDescription="Create a new document." ma:contentTypeScope="" ma:versionID="f185e081e10ec115c2640ace612104b9">
   <xsd:schema xmlns:xsd="http://www.w3.org/2001/XMLSchema" xmlns:xs="http://www.w3.org/2001/XMLSchema" xmlns:p="http://schemas.microsoft.com/office/2006/metadata/properties" xmlns:ns3="613f77af-de62-4afe-982b-138aea4fef3c" targetNamespace="http://schemas.microsoft.com/office/2006/metadata/properties" ma:root="true" ma:fieldsID="0a63cb9c68d38ddcb7679a7bdbafb55b" ns3:_="">
     <xsd:import namespace="613f77af-de62-4afe-982b-138aea4fef3c"/>
@@ -6986,14 +7030,6 @@
 </ct:contentTypeSchema>
 </file>
 
-<file path=customXml/item2.xml><?xml version="1.0" encoding="utf-8"?>
-<p:properties xmlns:p="http://schemas.microsoft.com/office/2006/metadata/properties" xmlns:xsi="http://www.w3.org/2001/XMLSchema-instance" xmlns:pc="http://schemas.microsoft.com/office/infopath/2007/PartnerControls">
-  <documentManagement>
-    <_activity xmlns="613f77af-de62-4afe-982b-138aea4fef3c" xsi:nil="true"/>
-  </documentManagement>
-</p:properties>
-</file>
-
 <file path=customXml/item3.xml><?xml version="1.0" encoding="utf-8"?>
 <?mso-contentType ?>
 <FormTemplates xmlns="http://schemas.microsoft.com/sharepoint/v3/contenttype/forms">
@@ -7004,6 +7040,22 @@
 </file>
 
 <file path=customXml/itemProps1.xml><?xml version="1.0" encoding="utf-8"?>
+<ds:datastoreItem xmlns:ds="http://schemas.openxmlformats.org/officeDocument/2006/customXml" ds:itemID="{D1D8F174-05DB-41F6-B191-F9580A6633C3}">
+  <ds:schemaRefs>
+    <ds:schemaRef ds:uri="http://purl.org/dc/dcmitype/"/>
+    <ds:schemaRef ds:uri="http://purl.org/dc/elements/1.1/"/>
+    <ds:schemaRef ds:uri="http://schemas.microsoft.com/office/2006/metadata/properties"/>
+    <ds:schemaRef ds:uri="http://purl.org/dc/terms/"/>
+    <ds:schemaRef ds:uri="http://www.w3.org/XML/1998/namespace"/>
+    <ds:schemaRef ds:uri="http://schemas.microsoft.com/office/2006/documentManagement/types"/>
+    <ds:schemaRef ds:uri="http://schemas.microsoft.com/office/infopath/2007/PartnerControls"/>
+    <ds:schemaRef ds:uri="http://schemas.openxmlformats.org/package/2006/metadata/core-properties"/>
+    <ds:schemaRef ds:uri="613f77af-de62-4afe-982b-138aea4fef3c"/>
+  </ds:schemaRefs>
+</ds:datastoreItem>
+</file>
+
+<file path=customXml/itemProps2.xml><?xml version="1.0" encoding="utf-8"?>
 <ds:datastoreItem xmlns:ds="http://schemas.openxmlformats.org/officeDocument/2006/customXml" ds:itemID="{FF5184F0-A663-45A9-BCC7-22C1C7642198}">
   <ds:schemaRefs>
     <ds:schemaRef ds:uri="http://schemas.microsoft.com/office/2006/metadata/contentType"/>
@@ -7021,22 +7073,6 @@
 </ds:datastoreItem>
 </file>
 
-<file path=customXml/itemProps2.xml><?xml version="1.0" encoding="utf-8"?>
-<ds:datastoreItem xmlns:ds="http://schemas.openxmlformats.org/officeDocument/2006/customXml" ds:itemID="{D1D8F174-05DB-41F6-B191-F9580A6633C3}">
-  <ds:schemaRefs>
-    <ds:schemaRef ds:uri="http://purl.org/dc/dcmitype/"/>
-    <ds:schemaRef ds:uri="http://purl.org/dc/elements/1.1/"/>
-    <ds:schemaRef ds:uri="http://schemas.microsoft.com/office/2006/metadata/properties"/>
-    <ds:schemaRef ds:uri="http://purl.org/dc/terms/"/>
-    <ds:schemaRef ds:uri="http://www.w3.org/XML/1998/namespace"/>
-    <ds:schemaRef ds:uri="http://schemas.microsoft.com/office/2006/documentManagement/types"/>
-    <ds:schemaRef ds:uri="http://schemas.microsoft.com/office/infopath/2007/PartnerControls"/>
-    <ds:schemaRef ds:uri="http://schemas.openxmlformats.org/package/2006/metadata/core-properties"/>
-    <ds:schemaRef ds:uri="613f77af-de62-4afe-982b-138aea4fef3c"/>
-  </ds:schemaRefs>
-</ds:datastoreItem>
-</file>
-
 <file path=customXml/itemProps3.xml><?xml version="1.0" encoding="utf-8"?>
 <ds:datastoreItem xmlns:ds="http://schemas.openxmlformats.org/officeDocument/2006/customXml" ds:itemID="{A247057C-ECE9-462C-87AA-B340D2DFD6C2}">
   <ds:schemaRefs>

--- a/Apresentação/Apresentação 65DSD.pptx
+++ b/Apresentação/Apresentação 65DSD.pptx
@@ -5,20 +5,19 @@
     <p:sldMasterId id="2147483648" r:id="rId4"/>
   </p:sldMasterIdLst>
   <p:notesMasterIdLst>
-    <p:notesMasterId r:id="rId16"/>
+    <p:notesMasterId r:id="rId15"/>
   </p:notesMasterIdLst>
   <p:sldIdLst>
     <p:sldId id="282" r:id="rId5"/>
     <p:sldId id="257" r:id="rId6"/>
     <p:sldId id="273" r:id="rId7"/>
-    <p:sldId id="297" r:id="rId8"/>
-    <p:sldId id="289" r:id="rId9"/>
-    <p:sldId id="287" r:id="rId10"/>
-    <p:sldId id="298" r:id="rId11"/>
-    <p:sldId id="300" r:id="rId12"/>
-    <p:sldId id="299" r:id="rId13"/>
-    <p:sldId id="295" r:id="rId14"/>
-    <p:sldId id="275" r:id="rId15"/>
+    <p:sldId id="289" r:id="rId8"/>
+    <p:sldId id="287" r:id="rId9"/>
+    <p:sldId id="298" r:id="rId10"/>
+    <p:sldId id="300" r:id="rId11"/>
+    <p:sldId id="299" r:id="rId12"/>
+    <p:sldId id="295" r:id="rId13"/>
+    <p:sldId id="275" r:id="rId14"/>
   </p:sldIdLst>
   <p:sldSz cx="9144000" cy="6858000" type="screen4x3"/>
   <p:notesSz cx="6858000" cy="9144000"/>
@@ -218,7 +217,7 @@
           <a:p>
             <a:fld id="{12028CC1-B90E-47D8-99C5-6BAA1811C342}" type="datetimeFigureOut">
               <a:rPr lang="pt-BR" smtClean="0"/>
-              <a:t>22/10/2025</a:t>
+              <a:t>23/10/2025</a:t>
             </a:fld>
             <a:endParaRPr lang="pt-BR" dirty="0"/>
           </a:p>
@@ -664,7 +663,7 @@
           <a:p>
             <a:fld id="{F3B4B977-AD5C-4F3D-992F-860711DBDA8C}" type="datetimeFigureOut">
               <a:rPr lang="pt-BR" smtClean="0"/>
-              <a:t>22/10/2025</a:t>
+              <a:t>23/10/2025</a:t>
             </a:fld>
             <a:endParaRPr lang="pt-BR" dirty="0"/>
           </a:p>
@@ -832,7 +831,7 @@
           <a:p>
             <a:fld id="{F3B4B977-AD5C-4F3D-992F-860711DBDA8C}" type="datetimeFigureOut">
               <a:rPr lang="pt-BR" smtClean="0"/>
-              <a:t>22/10/2025</a:t>
+              <a:t>23/10/2025</a:t>
             </a:fld>
             <a:endParaRPr lang="pt-BR" dirty="0"/>
           </a:p>
@@ -1010,7 +1009,7 @@
           <a:p>
             <a:fld id="{F3B4B977-AD5C-4F3D-992F-860711DBDA8C}" type="datetimeFigureOut">
               <a:rPr lang="pt-BR" smtClean="0"/>
-              <a:t>22/10/2025</a:t>
+              <a:t>23/10/2025</a:t>
             </a:fld>
             <a:endParaRPr lang="pt-BR" dirty="0"/>
           </a:p>
@@ -1178,7 +1177,7 @@
           <a:p>
             <a:fld id="{F3B4B977-AD5C-4F3D-992F-860711DBDA8C}" type="datetimeFigureOut">
               <a:rPr lang="pt-BR" smtClean="0"/>
-              <a:t>22/10/2025</a:t>
+              <a:t>23/10/2025</a:t>
             </a:fld>
             <a:endParaRPr lang="pt-BR" dirty="0"/>
           </a:p>
@@ -1423,7 +1422,7 @@
           <a:p>
             <a:fld id="{F3B4B977-AD5C-4F3D-992F-860711DBDA8C}" type="datetimeFigureOut">
               <a:rPr lang="pt-BR" smtClean="0"/>
-              <a:t>22/10/2025</a:t>
+              <a:t>23/10/2025</a:t>
             </a:fld>
             <a:endParaRPr lang="pt-BR" dirty="0"/>
           </a:p>
@@ -1708,7 +1707,7 @@
           <a:p>
             <a:fld id="{F3B4B977-AD5C-4F3D-992F-860711DBDA8C}" type="datetimeFigureOut">
               <a:rPr lang="pt-BR" smtClean="0"/>
-              <a:t>22/10/2025</a:t>
+              <a:t>23/10/2025</a:t>
             </a:fld>
             <a:endParaRPr lang="pt-BR" dirty="0"/>
           </a:p>
@@ -2127,7 +2126,7 @@
           <a:p>
             <a:fld id="{F3B4B977-AD5C-4F3D-992F-860711DBDA8C}" type="datetimeFigureOut">
               <a:rPr lang="pt-BR" smtClean="0"/>
-              <a:t>22/10/2025</a:t>
+              <a:t>23/10/2025</a:t>
             </a:fld>
             <a:endParaRPr lang="pt-BR" dirty="0"/>
           </a:p>
@@ -2244,7 +2243,7 @@
           <a:p>
             <a:fld id="{F3B4B977-AD5C-4F3D-992F-860711DBDA8C}" type="datetimeFigureOut">
               <a:rPr lang="pt-BR" smtClean="0"/>
-              <a:t>22/10/2025</a:t>
+              <a:t>23/10/2025</a:t>
             </a:fld>
             <a:endParaRPr lang="pt-BR" dirty="0"/>
           </a:p>
@@ -2339,7 +2338,7 @@
           <a:p>
             <a:fld id="{F3B4B977-AD5C-4F3D-992F-860711DBDA8C}" type="datetimeFigureOut">
               <a:rPr lang="pt-BR" smtClean="0"/>
-              <a:t>22/10/2025</a:t>
+              <a:t>23/10/2025</a:t>
             </a:fld>
             <a:endParaRPr lang="pt-BR" dirty="0"/>
           </a:p>
@@ -2614,7 +2613,7 @@
           <a:p>
             <a:fld id="{F3B4B977-AD5C-4F3D-992F-860711DBDA8C}" type="datetimeFigureOut">
               <a:rPr lang="pt-BR" smtClean="0"/>
-              <a:t>22/10/2025</a:t>
+              <a:t>23/10/2025</a:t>
             </a:fld>
             <a:endParaRPr lang="pt-BR" dirty="0"/>
           </a:p>
@@ -2866,7 +2865,7 @@
           <a:p>
             <a:fld id="{F3B4B977-AD5C-4F3D-992F-860711DBDA8C}" type="datetimeFigureOut">
               <a:rPr lang="pt-BR" smtClean="0"/>
-              <a:t>22/10/2025</a:t>
+              <a:t>23/10/2025</a:t>
             </a:fld>
             <a:endParaRPr lang="pt-BR" dirty="0"/>
           </a:p>
@@ -3082,7 +3081,7 @@
           <a:p>
             <a:fld id="{F3B4B977-AD5C-4F3D-992F-860711DBDA8C}" type="datetimeFigureOut">
               <a:rPr lang="pt-BR" smtClean="0"/>
-              <a:t>22/10/2025</a:t>
+              <a:t>23/10/2025</a:t>
             </a:fld>
             <a:endParaRPr lang="pt-BR" dirty="0"/>
           </a:p>
@@ -3697,237 +3696,6 @@
   <p:cSld>
     <p:spTree>
       <p:nvGrpSpPr>
-        <p:cNvPr id="1" name="">
-          <a:extLst>
-            <a:ext uri="{FF2B5EF4-FFF2-40B4-BE49-F238E27FC236}">
-              <a16:creationId xmlns:a16="http://schemas.microsoft.com/office/drawing/2014/main" id="{6B61FA77-355C-6EE3-71D3-EE986465EA8C}"/>
-            </a:ext>
-          </a:extLst>
-        </p:cNvPr>
-        <p:cNvGrpSpPr/>
-        <p:nvPr/>
-      </p:nvGrpSpPr>
-      <p:grpSpPr>
-        <a:xfrm>
-          <a:off x="0" y="0"/>
-          <a:ext cx="0" cy="0"/>
-          <a:chOff x="0" y="0"/>
-          <a:chExt cx="0" cy="0"/>
-        </a:xfrm>
-      </p:grpSpPr>
-      <p:sp>
-        <p:nvSpPr>
-          <p:cNvPr id="17" name="CaixaDeTexto 16">
-            <a:extLst>
-              <a:ext uri="{FF2B5EF4-FFF2-40B4-BE49-F238E27FC236}">
-                <a16:creationId xmlns:a16="http://schemas.microsoft.com/office/drawing/2014/main" id="{30C99E15-3E02-29B6-46B3-F94BD9AE33C4}"/>
-              </a:ext>
-            </a:extLst>
-          </p:cNvPr>
-          <p:cNvSpPr txBox="1"/>
-          <p:nvPr/>
-        </p:nvSpPr>
-        <p:spPr>
-          <a:xfrm>
-            <a:off x="393549" y="333523"/>
-            <a:ext cx="6192688" cy="646331"/>
-          </a:xfrm>
-          <a:prstGeom prst="rect">
-            <a:avLst/>
-          </a:prstGeom>
-          <a:noFill/>
-        </p:spPr>
-        <p:txBody>
-          <a:bodyPr wrap="square" rtlCol="0">
-            <a:spAutoFit/>
-          </a:bodyPr>
-          <a:lstStyle/>
-          <a:p>
-            <a:r>
-              <a:rPr lang="pt-BR" sz="3600" b="1" dirty="0">
-                <a:latin typeface="Verdana" panose="020B0604030504040204" pitchFamily="34" charset="0"/>
-                <a:ea typeface="Verdana" panose="020B0604030504040204" pitchFamily="34" charset="0"/>
-                <a:cs typeface="Verdana" panose="020B0604030504040204" pitchFamily="34" charset="0"/>
-              </a:rPr>
-              <a:t>Demonstração Prática</a:t>
-            </a:r>
-          </a:p>
-        </p:txBody>
-      </p:sp>
-      <p:sp>
-        <p:nvSpPr>
-          <p:cNvPr id="19" name="CaixaDeTexto 18">
-            <a:extLst>
-              <a:ext uri="{FF2B5EF4-FFF2-40B4-BE49-F238E27FC236}">
-                <a16:creationId xmlns:a16="http://schemas.microsoft.com/office/drawing/2014/main" id="{4B071381-D350-C209-5C2D-991DEC72AEB3}"/>
-              </a:ext>
-            </a:extLst>
-          </p:cNvPr>
-          <p:cNvSpPr txBox="1"/>
-          <p:nvPr/>
-        </p:nvSpPr>
-        <p:spPr>
-          <a:xfrm>
-            <a:off x="2267744" y="3238027"/>
-            <a:ext cx="5904656" cy="369332"/>
-          </a:xfrm>
-          <a:prstGeom prst="rect">
-            <a:avLst/>
-          </a:prstGeom>
-          <a:noFill/>
-        </p:spPr>
-        <p:txBody>
-          <a:bodyPr wrap="square" rtlCol="0">
-            <a:spAutoFit/>
-          </a:bodyPr>
-          <a:lstStyle/>
-          <a:p>
-            <a:r>
-              <a:rPr lang="pt-BR" b="1" dirty="0">
-                <a:hlinkClick r:id="rId2"/>
-              </a:rPr>
-              <a:t>https://github.com/KevinStrey/Trabalho2-65DSD-Threads</a:t>
-            </a:r>
-            <a:endParaRPr lang="pt-BR" b="1" dirty="0"/>
-          </a:p>
-        </p:txBody>
-      </p:sp>
-      <p:sp>
-        <p:nvSpPr>
-          <p:cNvPr id="20" name="Retângulo 19">
-            <a:extLst>
-              <a:ext uri="{FF2B5EF4-FFF2-40B4-BE49-F238E27FC236}">
-                <a16:creationId xmlns:a16="http://schemas.microsoft.com/office/drawing/2014/main" id="{94909996-7056-8B34-E993-45241EE4B4F3}"/>
-              </a:ext>
-            </a:extLst>
-          </p:cNvPr>
-          <p:cNvSpPr/>
-          <p:nvPr/>
-        </p:nvSpPr>
-        <p:spPr>
-          <a:xfrm flipV="1">
-            <a:off x="-36512" y="476670"/>
-            <a:ext cx="323528" cy="360039"/>
-          </a:xfrm>
-          <a:prstGeom prst="rect">
-            <a:avLst/>
-          </a:prstGeom>
-          <a:solidFill>
-            <a:srgbClr val="149B55"/>
-          </a:solidFill>
-          <a:ln>
-            <a:noFill/>
-          </a:ln>
-        </p:spPr>
-        <p:style>
-          <a:lnRef idx="2">
-            <a:schemeClr val="accent1">
-              <a:shade val="50000"/>
-            </a:schemeClr>
-          </a:lnRef>
-          <a:fillRef idx="1">
-            <a:schemeClr val="accent1"/>
-          </a:fillRef>
-          <a:effectRef idx="0">
-            <a:schemeClr val="accent1"/>
-          </a:effectRef>
-          <a:fontRef idx="minor">
-            <a:schemeClr val="lt1"/>
-          </a:fontRef>
-        </p:style>
-        <p:txBody>
-          <a:bodyPr rtlCol="0" anchor="ctr"/>
-          <a:lstStyle/>
-          <a:p>
-            <a:pPr algn="ctr"/>
-            <a:endParaRPr lang="pt-BR" dirty="0"/>
-          </a:p>
-        </p:txBody>
-      </p:sp>
-      <p:pic>
-        <p:nvPicPr>
-          <p:cNvPr id="7" name="Imagem 6">
-            <a:extLst>
-              <a:ext uri="{FF2B5EF4-FFF2-40B4-BE49-F238E27FC236}">
-                <a16:creationId xmlns:a16="http://schemas.microsoft.com/office/drawing/2014/main" id="{22070519-1F1D-D7B7-49D2-F8540562312F}"/>
-              </a:ext>
-            </a:extLst>
-          </p:cNvPr>
-          <p:cNvPicPr>
-            <a:picLocks noChangeAspect="1"/>
-          </p:cNvPicPr>
-          <p:nvPr/>
-        </p:nvPicPr>
-        <p:blipFill>
-          <a:blip r:embed="rId3" cstate="print">
-            <a:extLst>
-              <a:ext uri="{28A0092B-C50C-407E-A947-70E740481C1C}">
-                <a14:useLocalDpi xmlns:a14="http://schemas.microsoft.com/office/drawing/2010/main" val="0"/>
-              </a:ext>
-            </a:extLst>
-          </a:blip>
-          <a:stretch>
-            <a:fillRect/>
-          </a:stretch>
-        </p:blipFill>
-        <p:spPr>
-          <a:xfrm>
-            <a:off x="287015" y="6381328"/>
-            <a:ext cx="1672379" cy="291764"/>
-          </a:xfrm>
-          <a:prstGeom prst="rect">
-            <a:avLst/>
-          </a:prstGeom>
-        </p:spPr>
-      </p:pic>
-      <p:pic>
-        <p:nvPicPr>
-          <p:cNvPr id="4" name="Imagem 3">
-            <a:extLst>
-              <a:ext uri="{FF2B5EF4-FFF2-40B4-BE49-F238E27FC236}">
-                <a16:creationId xmlns:a16="http://schemas.microsoft.com/office/drawing/2014/main" id="{4EDAB39D-371F-5316-A143-E67DA69FD655}"/>
-              </a:ext>
-            </a:extLst>
-          </p:cNvPr>
-          <p:cNvPicPr>
-            <a:picLocks noChangeAspect="1"/>
-          </p:cNvPicPr>
-          <p:nvPr/>
-        </p:nvPicPr>
-        <p:blipFill>
-          <a:blip r:embed="rId4"/>
-          <a:stretch>
-            <a:fillRect/>
-          </a:stretch>
-        </p:blipFill>
-        <p:spPr>
-          <a:xfrm>
-            <a:off x="393549" y="2420888"/>
-            <a:ext cx="1672379" cy="1672379"/>
-          </a:xfrm>
-          <a:prstGeom prst="rect">
-            <a:avLst/>
-          </a:prstGeom>
-        </p:spPr>
-      </p:pic>
-    </p:spTree>
-    <p:extLst>
-      <p:ext uri="{BB962C8B-B14F-4D97-AF65-F5344CB8AC3E}">
-        <p14:creationId xmlns:p14="http://schemas.microsoft.com/office/powerpoint/2010/main" val="1621844948"/>
-      </p:ext>
-    </p:extLst>
-  </p:cSld>
-  <p:clrMapOvr>
-    <a:masterClrMapping/>
-  </p:clrMapOvr>
-</p:sld>
-</file>
-
-<file path=ppt/slides/slide11.xml><?xml version="1.0" encoding="utf-8"?>
-<p:sld xmlns:a="http://schemas.openxmlformats.org/drawingml/2006/main" xmlns:r="http://schemas.openxmlformats.org/officeDocument/2006/relationships" xmlns:p="http://schemas.openxmlformats.org/presentationml/2006/main">
-  <p:cSld>
-    <p:spTree>
-      <p:nvGrpSpPr>
         <p:cNvPr id="1" name=""/>
         <p:cNvGrpSpPr/>
         <p:nvPr/>
@@ -4590,344 +4358,6 @@
 </file>
 
 <file path=ppt/slides/slide4.xml><?xml version="1.0" encoding="utf-8"?>
-<p:sld xmlns:a="http://schemas.openxmlformats.org/drawingml/2006/main" xmlns:r="http://schemas.openxmlformats.org/officeDocument/2006/relationships" xmlns:p="http://schemas.openxmlformats.org/presentationml/2006/main">
-  <p:cSld>
-    <p:spTree>
-      <p:nvGrpSpPr>
-        <p:cNvPr id="1" name="">
-          <a:extLst>
-            <a:ext uri="{FF2B5EF4-FFF2-40B4-BE49-F238E27FC236}">
-              <a16:creationId xmlns:a16="http://schemas.microsoft.com/office/drawing/2014/main" id="{F8198097-4D46-9624-185B-7781363B37D1}"/>
-            </a:ext>
-          </a:extLst>
-        </p:cNvPr>
-        <p:cNvGrpSpPr/>
-        <p:nvPr/>
-      </p:nvGrpSpPr>
-      <p:grpSpPr>
-        <a:xfrm>
-          <a:off x="0" y="0"/>
-          <a:ext cx="0" cy="0"/>
-          <a:chOff x="0" y="0"/>
-          <a:chExt cx="0" cy="0"/>
-        </a:xfrm>
-      </p:grpSpPr>
-      <p:pic>
-        <p:nvPicPr>
-          <p:cNvPr id="8" name="Imagem 7">
-            <a:extLst>
-              <a:ext uri="{FF2B5EF4-FFF2-40B4-BE49-F238E27FC236}">
-                <a16:creationId xmlns:a16="http://schemas.microsoft.com/office/drawing/2014/main" id="{1437FD08-255C-6D05-A0F3-DF26220D3453}"/>
-              </a:ext>
-            </a:extLst>
-          </p:cNvPr>
-          <p:cNvPicPr>
-            <a:picLocks noChangeAspect="1"/>
-          </p:cNvPicPr>
-          <p:nvPr/>
-        </p:nvPicPr>
-        <p:blipFill>
-          <a:blip r:embed="rId2" cstate="print">
-            <a:extLst>
-              <a:ext uri="{28A0092B-C50C-407E-A947-70E740481C1C}">
-                <a14:useLocalDpi xmlns:a14="http://schemas.microsoft.com/office/drawing/2010/main" val="0"/>
-              </a:ext>
-            </a:extLst>
-          </a:blip>
-          <a:stretch>
-            <a:fillRect/>
-          </a:stretch>
-        </p:blipFill>
-        <p:spPr>
-          <a:xfrm>
-            <a:off x="287015" y="6381328"/>
-            <a:ext cx="1672379" cy="291764"/>
-          </a:xfrm>
-          <a:prstGeom prst="rect">
-            <a:avLst/>
-          </a:prstGeom>
-        </p:spPr>
-      </p:pic>
-      <p:sp>
-        <p:nvSpPr>
-          <p:cNvPr id="10" name="CaixaDeTexto 9">
-            <a:extLst>
-              <a:ext uri="{FF2B5EF4-FFF2-40B4-BE49-F238E27FC236}">
-                <a16:creationId xmlns:a16="http://schemas.microsoft.com/office/drawing/2014/main" id="{CA544564-CB97-A428-7B65-61A548982BF2}"/>
-              </a:ext>
-            </a:extLst>
-          </p:cNvPr>
-          <p:cNvSpPr txBox="1"/>
-          <p:nvPr/>
-        </p:nvSpPr>
-        <p:spPr>
-          <a:xfrm>
-            <a:off x="393548" y="333523"/>
-            <a:ext cx="8426923" cy="1200329"/>
-          </a:xfrm>
-          <a:prstGeom prst="rect">
-            <a:avLst/>
-          </a:prstGeom>
-          <a:noFill/>
-        </p:spPr>
-        <p:txBody>
-          <a:bodyPr wrap="square" rtlCol="0">
-            <a:spAutoFit/>
-          </a:bodyPr>
-          <a:lstStyle/>
-          <a:p>
-            <a:r>
-              <a:rPr lang="pt-BR" sz="3600" b="1" dirty="0">
-                <a:latin typeface="Verdana" panose="020B0604030504040204" pitchFamily="34" charset="0"/>
-                <a:ea typeface="Verdana" panose="020B0604030504040204" pitchFamily="34" charset="0"/>
-              </a:rPr>
-              <a:t>O Padrão de Projeto: Strategy</a:t>
-            </a:r>
-          </a:p>
-          <a:p>
-            <a:endParaRPr lang="pt-BR" sz="3600" b="1" dirty="0">
-              <a:latin typeface="Verdana" panose="020B0604030504040204" pitchFamily="34" charset="0"/>
-              <a:ea typeface="Verdana" panose="020B0604030504040204" pitchFamily="34" charset="0"/>
-              <a:cs typeface="Verdana" panose="020B0604030504040204" pitchFamily="34" charset="0"/>
-            </a:endParaRPr>
-          </a:p>
-        </p:txBody>
-      </p:sp>
-      <p:sp>
-        <p:nvSpPr>
-          <p:cNvPr id="13" name="Retângulo 12">
-            <a:extLst>
-              <a:ext uri="{FF2B5EF4-FFF2-40B4-BE49-F238E27FC236}">
-                <a16:creationId xmlns:a16="http://schemas.microsoft.com/office/drawing/2014/main" id="{FF6EC8A9-6EA9-5FDA-8D64-3AFB4A93F92B}"/>
-              </a:ext>
-            </a:extLst>
-          </p:cNvPr>
-          <p:cNvSpPr/>
-          <p:nvPr/>
-        </p:nvSpPr>
-        <p:spPr>
-          <a:xfrm flipV="1">
-            <a:off x="-36512" y="476670"/>
-            <a:ext cx="323528" cy="360039"/>
-          </a:xfrm>
-          <a:prstGeom prst="rect">
-            <a:avLst/>
-          </a:prstGeom>
-          <a:solidFill>
-            <a:srgbClr val="149B55"/>
-          </a:solidFill>
-          <a:ln>
-            <a:noFill/>
-          </a:ln>
-        </p:spPr>
-        <p:style>
-          <a:lnRef idx="2">
-            <a:schemeClr val="accent1">
-              <a:shade val="50000"/>
-            </a:schemeClr>
-          </a:lnRef>
-          <a:fillRef idx="1">
-            <a:schemeClr val="accent1"/>
-          </a:fillRef>
-          <a:effectRef idx="0">
-            <a:schemeClr val="accent1"/>
-          </a:effectRef>
-          <a:fontRef idx="minor">
-            <a:schemeClr val="lt1"/>
-          </a:fontRef>
-        </p:style>
-        <p:txBody>
-          <a:bodyPr rtlCol="0" anchor="ctr"/>
-          <a:lstStyle/>
-          <a:p>
-            <a:pPr algn="ctr"/>
-            <a:endParaRPr lang="pt-BR" dirty="0"/>
-          </a:p>
-        </p:txBody>
-      </p:sp>
-      <p:sp>
-        <p:nvSpPr>
-          <p:cNvPr id="6" name="CaixaDeTexto 5">
-            <a:extLst>
-              <a:ext uri="{FF2B5EF4-FFF2-40B4-BE49-F238E27FC236}">
-                <a16:creationId xmlns:a16="http://schemas.microsoft.com/office/drawing/2014/main" id="{61F56C9C-EAC9-1492-3FF5-C9515D7FE8F3}"/>
-              </a:ext>
-            </a:extLst>
-          </p:cNvPr>
-          <p:cNvSpPr txBox="1"/>
-          <p:nvPr/>
-        </p:nvSpPr>
-        <p:spPr>
-          <a:xfrm>
-            <a:off x="393548" y="1623860"/>
-            <a:ext cx="8426923" cy="4247317"/>
-          </a:xfrm>
-          <a:prstGeom prst="rect">
-            <a:avLst/>
-          </a:prstGeom>
-          <a:noFill/>
-        </p:spPr>
-        <p:txBody>
-          <a:bodyPr wrap="square" rtlCol="0">
-            <a:spAutoFit/>
-          </a:bodyPr>
-          <a:lstStyle/>
-          <a:p>
-            <a:pPr marL="285750" indent="-285750">
-              <a:buFont typeface="Arial" panose="020B0604020202020204" pitchFamily="34" charset="0"/>
-              <a:buChar char="•"/>
-            </a:pPr>
-            <a:r>
-              <a:rPr lang="pt-BR" b="1" dirty="0"/>
-              <a:t>Problema: </a:t>
-            </a:r>
-            <a:r>
-              <a:rPr lang="pt-BR" dirty="0"/>
-              <a:t>O enunciado exige que o sistema suporte dois mecanismos diferentes de exclusão mútua: Semáforos e Monitores.</a:t>
-            </a:r>
-          </a:p>
-          <a:p>
-            <a:pPr marL="285750" indent="-285750">
-              <a:buFont typeface="Arial" panose="020B0604020202020204" pitchFamily="34" charset="0"/>
-              <a:buChar char="•"/>
-            </a:pPr>
-            <a:endParaRPr lang="pt-BR" dirty="0"/>
-          </a:p>
-          <a:p>
-            <a:pPr marL="285750" indent="-285750">
-              <a:buFont typeface="Arial" panose="020B0604020202020204" pitchFamily="34" charset="0"/>
-              <a:buChar char="•"/>
-            </a:pPr>
-            <a:r>
-              <a:rPr lang="pt-BR" b="1" dirty="0"/>
-              <a:t>Solução:</a:t>
-            </a:r>
-            <a:r>
-              <a:rPr lang="pt-BR" dirty="0"/>
-              <a:t> Utilizamos o padrão de projeto </a:t>
-            </a:r>
-            <a:r>
-              <a:rPr lang="pt-BR" b="1" dirty="0"/>
-              <a:t>Strategy</a:t>
-            </a:r>
-            <a:r>
-              <a:rPr lang="pt-BR" dirty="0"/>
-              <a:t>.</a:t>
-            </a:r>
-          </a:p>
-          <a:p>
-            <a:pPr marL="285750" indent="-285750">
-              <a:buFont typeface="Arial" panose="020B0604020202020204" pitchFamily="34" charset="0"/>
-              <a:buChar char="•"/>
-            </a:pPr>
-            <a:endParaRPr lang="pt-BR" dirty="0"/>
-          </a:p>
-          <a:p>
-            <a:pPr marL="285750" indent="-285750">
-              <a:buFont typeface="Arial" panose="020B0604020202020204" pitchFamily="34" charset="0"/>
-              <a:buChar char="•"/>
-            </a:pPr>
-            <a:r>
-              <a:rPr lang="pt-BR" dirty="0"/>
-              <a:t>Criamos a interface </a:t>
-            </a:r>
-            <a:r>
-              <a:rPr lang="pt-BR" b="1" dirty="0"/>
-              <a:t>GerenciadorSincronizacao</a:t>
-            </a:r>
-            <a:r>
-              <a:rPr lang="pt-BR" dirty="0"/>
-              <a:t>, que define um contrato com os métodos que </a:t>
-            </a:r>
-            <a:r>
-              <a:rPr lang="pt-BR" b="1" dirty="0"/>
-              <a:t>toda estratégia de sincronização deve ter </a:t>
-            </a:r>
-            <a:r>
-              <a:rPr lang="pt-BR" dirty="0"/>
-              <a:t>(tentarAdquirir, liberar, etc.).</a:t>
-            </a:r>
-          </a:p>
-          <a:p>
-            <a:pPr marL="285750" indent="-285750">
-              <a:buFont typeface="Arial" panose="020B0604020202020204" pitchFamily="34" charset="0"/>
-              <a:buChar char="•"/>
-            </a:pPr>
-            <a:endParaRPr lang="pt-BR" b="1" dirty="0"/>
-          </a:p>
-          <a:p>
-            <a:pPr marL="285750" indent="-285750">
-              <a:buFont typeface="Arial" panose="020B0604020202020204" pitchFamily="34" charset="0"/>
-              <a:buChar char="•"/>
-            </a:pPr>
-            <a:r>
-              <a:rPr lang="pt-BR" dirty="0"/>
-              <a:t>Implementamos duas classes concretas que seguem esse contrato:</a:t>
-            </a:r>
-          </a:p>
-          <a:p>
-            <a:pPr marL="742950" lvl="1" indent="-285750">
-              <a:buFont typeface="Arial" panose="020B0604020202020204" pitchFamily="34" charset="0"/>
-              <a:buChar char="•"/>
-            </a:pPr>
-            <a:r>
-              <a:rPr lang="pt-BR" b="1" dirty="0"/>
-              <a:t>GerenciadorSemaforo: </a:t>
-            </a:r>
-            <a:r>
-              <a:rPr lang="pt-BR" dirty="0"/>
-              <a:t>Utiliza a classe Semaphore do Java para controlar o acesso.</a:t>
-            </a:r>
-          </a:p>
-          <a:p>
-            <a:pPr marL="742950" lvl="1" indent="-285750">
-              <a:buFont typeface="Arial" panose="020B0604020202020204" pitchFamily="34" charset="0"/>
-              <a:buChar char="•"/>
-            </a:pPr>
-            <a:r>
-              <a:rPr lang="pt-BR" b="1" dirty="0"/>
-              <a:t>GerenciadorMonitor: </a:t>
-            </a:r>
-            <a:r>
-              <a:rPr lang="pt-BR" dirty="0"/>
-              <a:t>Usa blocos synchronized para garantir a exclusão mútua.</a:t>
-            </a:r>
-            <a:endParaRPr lang="pt-BR" b="1" dirty="0"/>
-          </a:p>
-          <a:p>
-            <a:pPr marL="742950" lvl="1" indent="-285750">
-              <a:buFont typeface="Arial" panose="020B0604020202020204" pitchFamily="34" charset="0"/>
-              <a:buChar char="•"/>
-            </a:pPr>
-            <a:endParaRPr lang="pt-BR" dirty="0"/>
-          </a:p>
-          <a:p>
-            <a:pPr marL="285750" indent="-285750">
-              <a:buFont typeface="Arial" panose="020B0604020202020204" pitchFamily="34" charset="0"/>
-              <a:buChar char="•"/>
-            </a:pPr>
-            <a:r>
-              <a:rPr lang="pt-BR" dirty="0"/>
-              <a:t>O SimuladorController decide qual estratégia instanciar com base na seleção do usuário na interface, tornando o sistema flexível e desacoplado.</a:t>
-            </a:r>
-            <a:endParaRPr lang="pt-BR" b="1" dirty="0"/>
-          </a:p>
-        </p:txBody>
-      </p:sp>
-    </p:spTree>
-    <p:extLst>
-      <p:ext uri="{BB962C8B-B14F-4D97-AF65-F5344CB8AC3E}">
-        <p14:creationId xmlns:p14="http://schemas.microsoft.com/office/powerpoint/2010/main" val="4290166548"/>
-      </p:ext>
-    </p:extLst>
-  </p:cSld>
-  <p:clrMapOvr>
-    <a:masterClrMapping/>
-  </p:clrMapOvr>
-</p:sld>
-</file>
-
-<file path=ppt/slides/slide5.xml><?xml version="1.0" encoding="utf-8"?>
 <p:sld xmlns:a="http://schemas.openxmlformats.org/drawingml/2006/main" xmlns:r="http://schemas.openxmlformats.org/officeDocument/2006/relationships" xmlns:p="http://schemas.openxmlformats.org/presentationml/2006/main">
   <p:cSld>
     <p:spTree>
@@ -5206,7 +4636,7 @@
 </p:sld>
 </file>
 
-<file path=ppt/slides/slide6.xml><?xml version="1.0" encoding="utf-8"?>
+<file path=ppt/slides/slide5.xml><?xml version="1.0" encoding="utf-8"?>
 <p:sld xmlns:a="http://schemas.openxmlformats.org/drawingml/2006/main" xmlns:r="http://schemas.openxmlformats.org/officeDocument/2006/relationships" xmlns:p="http://schemas.openxmlformats.org/presentationml/2006/main">
   <p:cSld>
     <p:spTree>
@@ -5495,7 +4925,7 @@
 </p:sld>
 </file>
 
-<file path=ppt/slides/slide7.xml><?xml version="1.0" encoding="utf-8"?>
+<file path=ppt/slides/slide6.xml><?xml version="1.0" encoding="utf-8"?>
 <p:sld xmlns:a="http://schemas.openxmlformats.org/drawingml/2006/main" xmlns:r="http://schemas.openxmlformats.org/officeDocument/2006/relationships" xmlns:p="http://schemas.openxmlformats.org/presentationml/2006/main">
   <p:cSld>
     <p:spTree>
@@ -5737,7 +5167,7 @@
 </p:sld>
 </file>
 
-<file path=ppt/slides/slide8.xml><?xml version="1.0" encoding="utf-8"?>
+<file path=ppt/slides/slide7.xml><?xml version="1.0" encoding="utf-8"?>
 <p:sld xmlns:a="http://schemas.openxmlformats.org/drawingml/2006/main" xmlns:r="http://schemas.openxmlformats.org/officeDocument/2006/relationships" xmlns:p="http://schemas.openxmlformats.org/presentationml/2006/main">
   <p:cSld>
     <p:spTree>
@@ -6095,7 +5525,7 @@
 </p:sld>
 </file>
 
-<file path=ppt/slides/slide9.xml><?xml version="1.0" encoding="utf-8"?>
+<file path=ppt/slides/slide8.xml><?xml version="1.0" encoding="utf-8"?>
 <p:sld xmlns:a="http://schemas.openxmlformats.org/drawingml/2006/main" xmlns:r="http://schemas.openxmlformats.org/officeDocument/2006/relationships" xmlns:p="http://schemas.openxmlformats.org/presentationml/2006/main">
   <p:cSld>
     <p:spTree>
@@ -6249,6 +5679,237 @@
     <p:extLst>
       <p:ext uri="{BB962C8B-B14F-4D97-AF65-F5344CB8AC3E}">
         <p14:creationId xmlns:p14="http://schemas.microsoft.com/office/powerpoint/2010/main" val="3645881378"/>
+      </p:ext>
+    </p:extLst>
+  </p:cSld>
+  <p:clrMapOvr>
+    <a:masterClrMapping/>
+  </p:clrMapOvr>
+</p:sld>
+</file>
+
+<file path=ppt/slides/slide9.xml><?xml version="1.0" encoding="utf-8"?>
+<p:sld xmlns:a="http://schemas.openxmlformats.org/drawingml/2006/main" xmlns:r="http://schemas.openxmlformats.org/officeDocument/2006/relationships" xmlns:p="http://schemas.openxmlformats.org/presentationml/2006/main">
+  <p:cSld>
+    <p:spTree>
+      <p:nvGrpSpPr>
+        <p:cNvPr id="1" name="">
+          <a:extLst>
+            <a:ext uri="{FF2B5EF4-FFF2-40B4-BE49-F238E27FC236}">
+              <a16:creationId xmlns:a16="http://schemas.microsoft.com/office/drawing/2014/main" id="{6B61FA77-355C-6EE3-71D3-EE986465EA8C}"/>
+            </a:ext>
+          </a:extLst>
+        </p:cNvPr>
+        <p:cNvGrpSpPr/>
+        <p:nvPr/>
+      </p:nvGrpSpPr>
+      <p:grpSpPr>
+        <a:xfrm>
+          <a:off x="0" y="0"/>
+          <a:ext cx="0" cy="0"/>
+          <a:chOff x="0" y="0"/>
+          <a:chExt cx="0" cy="0"/>
+        </a:xfrm>
+      </p:grpSpPr>
+      <p:sp>
+        <p:nvSpPr>
+          <p:cNvPr id="17" name="CaixaDeTexto 16">
+            <a:extLst>
+              <a:ext uri="{FF2B5EF4-FFF2-40B4-BE49-F238E27FC236}">
+                <a16:creationId xmlns:a16="http://schemas.microsoft.com/office/drawing/2014/main" id="{30C99E15-3E02-29B6-46B3-F94BD9AE33C4}"/>
+              </a:ext>
+            </a:extLst>
+          </p:cNvPr>
+          <p:cNvSpPr txBox="1"/>
+          <p:nvPr/>
+        </p:nvSpPr>
+        <p:spPr>
+          <a:xfrm>
+            <a:off x="393549" y="333523"/>
+            <a:ext cx="6192688" cy="646331"/>
+          </a:xfrm>
+          <a:prstGeom prst="rect">
+            <a:avLst/>
+          </a:prstGeom>
+          <a:noFill/>
+        </p:spPr>
+        <p:txBody>
+          <a:bodyPr wrap="square" rtlCol="0">
+            <a:spAutoFit/>
+          </a:bodyPr>
+          <a:lstStyle/>
+          <a:p>
+            <a:r>
+              <a:rPr lang="pt-BR" sz="3600" b="1" dirty="0">
+                <a:latin typeface="Verdana" panose="020B0604030504040204" pitchFamily="34" charset="0"/>
+                <a:ea typeface="Verdana" panose="020B0604030504040204" pitchFamily="34" charset="0"/>
+                <a:cs typeface="Verdana" panose="020B0604030504040204" pitchFamily="34" charset="0"/>
+              </a:rPr>
+              <a:t>Demonstração Prática</a:t>
+            </a:r>
+          </a:p>
+        </p:txBody>
+      </p:sp>
+      <p:sp>
+        <p:nvSpPr>
+          <p:cNvPr id="19" name="CaixaDeTexto 18">
+            <a:extLst>
+              <a:ext uri="{FF2B5EF4-FFF2-40B4-BE49-F238E27FC236}">
+                <a16:creationId xmlns:a16="http://schemas.microsoft.com/office/drawing/2014/main" id="{4B071381-D350-C209-5C2D-991DEC72AEB3}"/>
+              </a:ext>
+            </a:extLst>
+          </p:cNvPr>
+          <p:cNvSpPr txBox="1"/>
+          <p:nvPr/>
+        </p:nvSpPr>
+        <p:spPr>
+          <a:xfrm>
+            <a:off x="2267744" y="3238027"/>
+            <a:ext cx="5904656" cy="369332"/>
+          </a:xfrm>
+          <a:prstGeom prst="rect">
+            <a:avLst/>
+          </a:prstGeom>
+          <a:noFill/>
+        </p:spPr>
+        <p:txBody>
+          <a:bodyPr wrap="square" rtlCol="0">
+            <a:spAutoFit/>
+          </a:bodyPr>
+          <a:lstStyle/>
+          <a:p>
+            <a:r>
+              <a:rPr lang="pt-BR" b="1" dirty="0">
+                <a:hlinkClick r:id="rId2"/>
+              </a:rPr>
+              <a:t>https://github.com/KevinStrey/Trabalho2-65DSD-Threads</a:t>
+            </a:r>
+            <a:endParaRPr lang="pt-BR" b="1" dirty="0"/>
+          </a:p>
+        </p:txBody>
+      </p:sp>
+      <p:sp>
+        <p:nvSpPr>
+          <p:cNvPr id="20" name="Retângulo 19">
+            <a:extLst>
+              <a:ext uri="{FF2B5EF4-FFF2-40B4-BE49-F238E27FC236}">
+                <a16:creationId xmlns:a16="http://schemas.microsoft.com/office/drawing/2014/main" id="{94909996-7056-8B34-E993-45241EE4B4F3}"/>
+              </a:ext>
+            </a:extLst>
+          </p:cNvPr>
+          <p:cNvSpPr/>
+          <p:nvPr/>
+        </p:nvSpPr>
+        <p:spPr>
+          <a:xfrm flipV="1">
+            <a:off x="-36512" y="476670"/>
+            <a:ext cx="323528" cy="360039"/>
+          </a:xfrm>
+          <a:prstGeom prst="rect">
+            <a:avLst/>
+          </a:prstGeom>
+          <a:solidFill>
+            <a:srgbClr val="149B55"/>
+          </a:solidFill>
+          <a:ln>
+            <a:noFill/>
+          </a:ln>
+        </p:spPr>
+        <p:style>
+          <a:lnRef idx="2">
+            <a:schemeClr val="accent1">
+              <a:shade val="50000"/>
+            </a:schemeClr>
+          </a:lnRef>
+          <a:fillRef idx="1">
+            <a:schemeClr val="accent1"/>
+          </a:fillRef>
+          <a:effectRef idx="0">
+            <a:schemeClr val="accent1"/>
+          </a:effectRef>
+          <a:fontRef idx="minor">
+            <a:schemeClr val="lt1"/>
+          </a:fontRef>
+        </p:style>
+        <p:txBody>
+          <a:bodyPr rtlCol="0" anchor="ctr"/>
+          <a:lstStyle/>
+          <a:p>
+            <a:pPr algn="ctr"/>
+            <a:endParaRPr lang="pt-BR" dirty="0"/>
+          </a:p>
+        </p:txBody>
+      </p:sp>
+      <p:pic>
+        <p:nvPicPr>
+          <p:cNvPr id="7" name="Imagem 6">
+            <a:extLst>
+              <a:ext uri="{FF2B5EF4-FFF2-40B4-BE49-F238E27FC236}">
+                <a16:creationId xmlns:a16="http://schemas.microsoft.com/office/drawing/2014/main" id="{22070519-1F1D-D7B7-49D2-F8540562312F}"/>
+              </a:ext>
+            </a:extLst>
+          </p:cNvPr>
+          <p:cNvPicPr>
+            <a:picLocks noChangeAspect="1"/>
+          </p:cNvPicPr>
+          <p:nvPr/>
+        </p:nvPicPr>
+        <p:blipFill>
+          <a:blip r:embed="rId3" cstate="print">
+            <a:extLst>
+              <a:ext uri="{28A0092B-C50C-407E-A947-70E740481C1C}">
+                <a14:useLocalDpi xmlns:a14="http://schemas.microsoft.com/office/drawing/2010/main" val="0"/>
+              </a:ext>
+            </a:extLst>
+          </a:blip>
+          <a:stretch>
+            <a:fillRect/>
+          </a:stretch>
+        </p:blipFill>
+        <p:spPr>
+          <a:xfrm>
+            <a:off x="287015" y="6381328"/>
+            <a:ext cx="1672379" cy="291764"/>
+          </a:xfrm>
+          <a:prstGeom prst="rect">
+            <a:avLst/>
+          </a:prstGeom>
+        </p:spPr>
+      </p:pic>
+      <p:pic>
+        <p:nvPicPr>
+          <p:cNvPr id="4" name="Imagem 3">
+            <a:extLst>
+              <a:ext uri="{FF2B5EF4-FFF2-40B4-BE49-F238E27FC236}">
+                <a16:creationId xmlns:a16="http://schemas.microsoft.com/office/drawing/2014/main" id="{4EDAB39D-371F-5316-A143-E67DA69FD655}"/>
+              </a:ext>
+            </a:extLst>
+          </p:cNvPr>
+          <p:cNvPicPr>
+            <a:picLocks noChangeAspect="1"/>
+          </p:cNvPicPr>
+          <p:nvPr/>
+        </p:nvPicPr>
+        <p:blipFill>
+          <a:blip r:embed="rId4"/>
+          <a:stretch>
+            <a:fillRect/>
+          </a:stretch>
+        </p:blipFill>
+        <p:spPr>
+          <a:xfrm>
+            <a:off x="393549" y="2420888"/>
+            <a:ext cx="1672379" cy="1672379"/>
+          </a:xfrm>
+          <a:prstGeom prst="rect">
+            <a:avLst/>
+          </a:prstGeom>
+        </p:spPr>
+      </p:pic>
+    </p:spTree>
+    <p:extLst>
+      <p:ext uri="{BB962C8B-B14F-4D97-AF65-F5344CB8AC3E}">
+        <p14:creationId xmlns:p14="http://schemas.microsoft.com/office/powerpoint/2010/main" val="1621844948"/>
       </p:ext>
     </p:extLst>
   </p:cSld>
@@ -6829,14 +6490,6 @@
 </file>
 
 <file path=customXml/item1.xml><?xml version="1.0" encoding="utf-8"?>
-<p:properties xmlns:p="http://schemas.microsoft.com/office/2006/metadata/properties" xmlns:xsi="http://www.w3.org/2001/XMLSchema-instance" xmlns:pc="http://schemas.microsoft.com/office/infopath/2007/PartnerControls">
-  <documentManagement>
-    <_activity xmlns="613f77af-de62-4afe-982b-138aea4fef3c" xsi:nil="true"/>
-  </documentManagement>
-</p:properties>
-</file>
-
-<file path=customXml/item2.xml><?xml version="1.0" encoding="utf-8"?>
 <ct:contentTypeSchema xmlns:ct="http://schemas.microsoft.com/office/2006/metadata/contentType" xmlns:ma="http://schemas.microsoft.com/office/2006/metadata/properties/metaAttributes" ct:_="" ma:_="" ma:contentTypeName="Document" ma:contentTypeID="0x0101002EBECF9B0ABA5044AE17B1D320DD2A6F" ma:contentTypeVersion="12" ma:contentTypeDescription="Create a new document." ma:contentTypeScope="" ma:versionID="f185e081e10ec115c2640ace612104b9">
   <xsd:schema xmlns:xsd="http://www.w3.org/2001/XMLSchema" xmlns:xs="http://www.w3.org/2001/XMLSchema" xmlns:p="http://schemas.microsoft.com/office/2006/metadata/properties" xmlns:ns3="613f77af-de62-4afe-982b-138aea4fef3c" targetNamespace="http://schemas.microsoft.com/office/2006/metadata/properties" ma:root="true" ma:fieldsID="0a63cb9c68d38ddcb7679a7bdbafb55b" ns3:_="">
     <xsd:import namespace="613f77af-de62-4afe-982b-138aea4fef3c"/>
@@ -7030,6 +6683,14 @@
 </ct:contentTypeSchema>
 </file>
 
+<file path=customXml/item2.xml><?xml version="1.0" encoding="utf-8"?>
+<p:properties xmlns:p="http://schemas.microsoft.com/office/2006/metadata/properties" xmlns:xsi="http://www.w3.org/2001/XMLSchema-instance" xmlns:pc="http://schemas.microsoft.com/office/infopath/2007/PartnerControls">
+  <documentManagement>
+    <_activity xmlns="613f77af-de62-4afe-982b-138aea4fef3c" xsi:nil="true"/>
+  </documentManagement>
+</p:properties>
+</file>
+
 <file path=customXml/item3.xml><?xml version="1.0" encoding="utf-8"?>
 <?mso-contentType ?>
 <FormTemplates xmlns="http://schemas.microsoft.com/sharepoint/v3/contenttype/forms">
@@ -7040,22 +6701,6 @@
 </file>
 
 <file path=customXml/itemProps1.xml><?xml version="1.0" encoding="utf-8"?>
-<ds:datastoreItem xmlns:ds="http://schemas.openxmlformats.org/officeDocument/2006/customXml" ds:itemID="{D1D8F174-05DB-41F6-B191-F9580A6633C3}">
-  <ds:schemaRefs>
-    <ds:schemaRef ds:uri="http://purl.org/dc/dcmitype/"/>
-    <ds:schemaRef ds:uri="http://purl.org/dc/elements/1.1/"/>
-    <ds:schemaRef ds:uri="http://schemas.microsoft.com/office/2006/metadata/properties"/>
-    <ds:schemaRef ds:uri="http://purl.org/dc/terms/"/>
-    <ds:schemaRef ds:uri="http://www.w3.org/XML/1998/namespace"/>
-    <ds:schemaRef ds:uri="http://schemas.microsoft.com/office/2006/documentManagement/types"/>
-    <ds:schemaRef ds:uri="http://schemas.microsoft.com/office/infopath/2007/PartnerControls"/>
-    <ds:schemaRef ds:uri="http://schemas.openxmlformats.org/package/2006/metadata/core-properties"/>
-    <ds:schemaRef ds:uri="613f77af-de62-4afe-982b-138aea4fef3c"/>
-  </ds:schemaRefs>
-</ds:datastoreItem>
-</file>
-
-<file path=customXml/itemProps2.xml><?xml version="1.0" encoding="utf-8"?>
 <ds:datastoreItem xmlns:ds="http://schemas.openxmlformats.org/officeDocument/2006/customXml" ds:itemID="{FF5184F0-A663-45A9-BCC7-22C1C7642198}">
   <ds:schemaRefs>
     <ds:schemaRef ds:uri="http://schemas.microsoft.com/office/2006/metadata/contentType"/>
@@ -7073,6 +6718,22 @@
 </ds:datastoreItem>
 </file>
 
+<file path=customXml/itemProps2.xml><?xml version="1.0" encoding="utf-8"?>
+<ds:datastoreItem xmlns:ds="http://schemas.openxmlformats.org/officeDocument/2006/customXml" ds:itemID="{D1D8F174-05DB-41F6-B191-F9580A6633C3}">
+  <ds:schemaRefs>
+    <ds:schemaRef ds:uri="http://purl.org/dc/dcmitype/"/>
+    <ds:schemaRef ds:uri="http://purl.org/dc/elements/1.1/"/>
+    <ds:schemaRef ds:uri="http://schemas.microsoft.com/office/2006/metadata/properties"/>
+    <ds:schemaRef ds:uri="http://purl.org/dc/terms/"/>
+    <ds:schemaRef ds:uri="http://www.w3.org/XML/1998/namespace"/>
+    <ds:schemaRef ds:uri="http://schemas.microsoft.com/office/2006/documentManagement/types"/>
+    <ds:schemaRef ds:uri="http://schemas.microsoft.com/office/infopath/2007/PartnerControls"/>
+    <ds:schemaRef ds:uri="http://schemas.openxmlformats.org/package/2006/metadata/core-properties"/>
+    <ds:schemaRef ds:uri="613f77af-de62-4afe-982b-138aea4fef3c"/>
+  </ds:schemaRefs>
+</ds:datastoreItem>
+</file>
+
 <file path=customXml/itemProps3.xml><?xml version="1.0" encoding="utf-8"?>
 <ds:datastoreItem xmlns:ds="http://schemas.openxmlformats.org/officeDocument/2006/customXml" ds:itemID="{A247057C-ECE9-462C-87AA-B340D2DFD6C2}">
   <ds:schemaRefs>
